--- a/GesamtDokumentation/Zeichnungen/MechAufbau3D.pptx
+++ b/GesamtDokumentation/Zeichnungen/MechAufbau3D.pptx
@@ -8,6 +8,7 @@
     <p:sldId id="256" r:id="rId2"/>
     <p:sldId id="257" r:id="rId3"/>
     <p:sldId id="258" r:id="rId4"/>
+    <p:sldId id="259" r:id="rId5"/>
   </p:sldIdLst>
   <p:sldSz cx="12192000" cy="6858000"/>
   <p:notesSz cx="6858000" cy="9144000"/>
@@ -106,6 +107,11 @@
       </a:defRPr>
     </a:lvl9pPr>
   </p:defaultTextStyle>
+  <p:extLst>
+    <p:ext uri="{EFAFB233-063F-42B5-8137-9DF3F51BA10A}">
+      <p15:sldGuideLst xmlns:p15="http://schemas.microsoft.com/office/powerpoint/2012/main"/>
+    </p:ext>
+  </p:extLst>
 </p:presentation>
 </file>
 
@@ -240,7 +246,7 @@
           <a:p>
             <a:fld id="{3CC8D7EB-FE4E-4CD1-BEDD-ED204AF4BC43}" type="datetimeFigureOut">
               <a:rPr lang="de-DE" smtClean="0"/>
-              <a:t>01.09.2016</a:t>
+              <a:t>04.09.2016</a:t>
             </a:fld>
             <a:endParaRPr lang="de-DE"/>
           </a:p>
@@ -410,7 +416,7 @@
           <a:p>
             <a:fld id="{3CC8D7EB-FE4E-4CD1-BEDD-ED204AF4BC43}" type="datetimeFigureOut">
               <a:rPr lang="de-DE" smtClean="0"/>
-              <a:t>01.09.2016</a:t>
+              <a:t>04.09.2016</a:t>
             </a:fld>
             <a:endParaRPr lang="de-DE"/>
           </a:p>
@@ -590,7 +596,7 @@
           <a:p>
             <a:fld id="{3CC8D7EB-FE4E-4CD1-BEDD-ED204AF4BC43}" type="datetimeFigureOut">
               <a:rPr lang="de-DE" smtClean="0"/>
-              <a:t>01.09.2016</a:t>
+              <a:t>04.09.2016</a:t>
             </a:fld>
             <a:endParaRPr lang="de-DE"/>
           </a:p>
@@ -760,7 +766,7 @@
           <a:p>
             <a:fld id="{3CC8D7EB-FE4E-4CD1-BEDD-ED204AF4BC43}" type="datetimeFigureOut">
               <a:rPr lang="de-DE" smtClean="0"/>
-              <a:t>01.09.2016</a:t>
+              <a:t>04.09.2016</a:t>
             </a:fld>
             <a:endParaRPr lang="de-DE"/>
           </a:p>
@@ -1006,7 +1012,7 @@
           <a:p>
             <a:fld id="{3CC8D7EB-FE4E-4CD1-BEDD-ED204AF4BC43}" type="datetimeFigureOut">
               <a:rPr lang="de-DE" smtClean="0"/>
-              <a:t>01.09.2016</a:t>
+              <a:t>04.09.2016</a:t>
             </a:fld>
             <a:endParaRPr lang="de-DE"/>
           </a:p>
@@ -1238,7 +1244,7 @@
           <a:p>
             <a:fld id="{3CC8D7EB-FE4E-4CD1-BEDD-ED204AF4BC43}" type="datetimeFigureOut">
               <a:rPr lang="de-DE" smtClean="0"/>
-              <a:t>01.09.2016</a:t>
+              <a:t>04.09.2016</a:t>
             </a:fld>
             <a:endParaRPr lang="de-DE"/>
           </a:p>
@@ -1605,7 +1611,7 @@
           <a:p>
             <a:fld id="{3CC8D7EB-FE4E-4CD1-BEDD-ED204AF4BC43}" type="datetimeFigureOut">
               <a:rPr lang="de-DE" smtClean="0"/>
-              <a:t>01.09.2016</a:t>
+              <a:t>04.09.2016</a:t>
             </a:fld>
             <a:endParaRPr lang="de-DE"/>
           </a:p>
@@ -1723,7 +1729,7 @@
           <a:p>
             <a:fld id="{3CC8D7EB-FE4E-4CD1-BEDD-ED204AF4BC43}" type="datetimeFigureOut">
               <a:rPr lang="de-DE" smtClean="0"/>
-              <a:t>01.09.2016</a:t>
+              <a:t>04.09.2016</a:t>
             </a:fld>
             <a:endParaRPr lang="de-DE"/>
           </a:p>
@@ -1818,7 +1824,7 @@
           <a:p>
             <a:fld id="{3CC8D7EB-FE4E-4CD1-BEDD-ED204AF4BC43}" type="datetimeFigureOut">
               <a:rPr lang="de-DE" smtClean="0"/>
-              <a:t>01.09.2016</a:t>
+              <a:t>04.09.2016</a:t>
             </a:fld>
             <a:endParaRPr lang="de-DE"/>
           </a:p>
@@ -2095,7 +2101,7 @@
           <a:p>
             <a:fld id="{3CC8D7EB-FE4E-4CD1-BEDD-ED204AF4BC43}" type="datetimeFigureOut">
               <a:rPr lang="de-DE" smtClean="0"/>
-              <a:t>01.09.2016</a:t>
+              <a:t>04.09.2016</a:t>
             </a:fld>
             <a:endParaRPr lang="de-DE"/>
           </a:p>
@@ -2348,7 +2354,7 @@
           <a:p>
             <a:fld id="{3CC8D7EB-FE4E-4CD1-BEDD-ED204AF4BC43}" type="datetimeFigureOut">
               <a:rPr lang="de-DE" smtClean="0"/>
-              <a:t>01.09.2016</a:t>
+              <a:t>04.09.2016</a:t>
             </a:fld>
             <a:endParaRPr lang="de-DE"/>
           </a:p>
@@ -2561,7 +2567,7 @@
           <a:p>
             <a:fld id="{3CC8D7EB-FE4E-4CD1-BEDD-ED204AF4BC43}" type="datetimeFigureOut">
               <a:rPr lang="de-DE" smtClean="0"/>
-              <a:t>01.09.2016</a:t>
+              <a:t>04.09.2016</a:t>
             </a:fld>
             <a:endParaRPr lang="de-DE"/>
           </a:p>
@@ -4619,8 +4625,8 @@
         </p:nvSpPr>
         <p:spPr>
           <a:xfrm>
-            <a:off x="5647231" y="1624211"/>
-            <a:ext cx="2159000" cy="2160000"/>
+            <a:off x="5727866" y="1698883"/>
+            <a:ext cx="2012957" cy="2013889"/>
           </a:xfrm>
           <a:prstGeom prst="ellipse">
             <a:avLst/>
@@ -5420,6 +5426,897 @@
     <p:extLst>
       <p:ext uri="{BB962C8B-B14F-4D97-AF65-F5344CB8AC3E}">
         <p14:creationId xmlns:p14="http://schemas.microsoft.com/office/powerpoint/2010/main" val="932069242"/>
+      </p:ext>
+    </p:extLst>
+  </p:cSld>
+  <p:clrMapOvr>
+    <a:masterClrMapping/>
+  </p:clrMapOvr>
+</p:sld>
+</file>
+
+<file path=ppt/slides/slide4.xml><?xml version="1.0" encoding="utf-8"?>
+<p:sld xmlns:a="http://schemas.openxmlformats.org/drawingml/2006/main" xmlns:r="http://schemas.openxmlformats.org/officeDocument/2006/relationships" xmlns:p="http://schemas.openxmlformats.org/presentationml/2006/main">
+  <p:cSld>
+    <p:spTree>
+      <p:nvGrpSpPr>
+        <p:cNvPr id="1" name=""/>
+        <p:cNvGrpSpPr/>
+        <p:nvPr/>
+      </p:nvGrpSpPr>
+      <p:grpSpPr>
+        <a:xfrm>
+          <a:off x="0" y="0"/>
+          <a:ext cx="0" cy="0"/>
+          <a:chOff x="0" y="0"/>
+          <a:chExt cx="0" cy="0"/>
+        </a:xfrm>
+      </p:grpSpPr>
+      <p:cxnSp>
+        <p:nvCxnSpPr>
+          <p:cNvPr id="5" name="Gerade Verbindung mit Pfeil 4"/>
+          <p:cNvCxnSpPr/>
+          <p:nvPr/>
+        </p:nvCxnSpPr>
+        <p:spPr>
+          <a:xfrm flipV="1">
+            <a:off x="5511800" y="38100"/>
+            <a:ext cx="0" cy="3600000"/>
+          </a:xfrm>
+          <a:prstGeom prst="straightConnector1">
+            <a:avLst/>
+          </a:prstGeom>
+          <a:ln w="12700">
+            <a:solidFill>
+              <a:schemeClr val="tx1"/>
+            </a:solidFill>
+            <a:prstDash val="dash"/>
+            <a:tailEnd type="triangle"/>
+          </a:ln>
+        </p:spPr>
+        <p:style>
+          <a:lnRef idx="1">
+            <a:schemeClr val="accent1"/>
+          </a:lnRef>
+          <a:fillRef idx="0">
+            <a:schemeClr val="accent1"/>
+          </a:fillRef>
+          <a:effectRef idx="0">
+            <a:schemeClr val="accent1"/>
+          </a:effectRef>
+          <a:fontRef idx="minor">
+            <a:schemeClr val="tx1"/>
+          </a:fontRef>
+        </p:style>
+      </p:cxnSp>
+      <p:cxnSp>
+        <p:nvCxnSpPr>
+          <p:cNvPr id="6" name="Gerade Verbindung mit Pfeil 5"/>
+          <p:cNvCxnSpPr/>
+          <p:nvPr/>
+        </p:nvCxnSpPr>
+        <p:spPr>
+          <a:xfrm rot="13800000" flipV="1">
+            <a:off x="4132920" y="2996992"/>
+            <a:ext cx="0" cy="3600000"/>
+          </a:xfrm>
+          <a:prstGeom prst="straightConnector1">
+            <a:avLst/>
+          </a:prstGeom>
+          <a:ln w="12700">
+            <a:solidFill>
+              <a:schemeClr val="tx1"/>
+            </a:solidFill>
+            <a:prstDash val="dash"/>
+            <a:tailEnd type="triangle"/>
+          </a:ln>
+        </p:spPr>
+        <p:style>
+          <a:lnRef idx="1">
+            <a:schemeClr val="accent1"/>
+          </a:lnRef>
+          <a:fillRef idx="0">
+            <a:schemeClr val="accent1"/>
+          </a:fillRef>
+          <a:effectRef idx="0">
+            <a:schemeClr val="accent1"/>
+          </a:effectRef>
+          <a:fontRef idx="minor">
+            <a:schemeClr val="tx1"/>
+          </a:fontRef>
+        </p:style>
+      </p:cxnSp>
+      <p:cxnSp>
+        <p:nvCxnSpPr>
+          <p:cNvPr id="7" name="Gerade Verbindung mit Pfeil 6"/>
+          <p:cNvCxnSpPr/>
+          <p:nvPr/>
+        </p:nvCxnSpPr>
+        <p:spPr>
+          <a:xfrm rot="6300000" flipV="1">
+            <a:off x="7235150" y="2303975"/>
+            <a:ext cx="0" cy="3600000"/>
+          </a:xfrm>
+          <a:prstGeom prst="straightConnector1">
+            <a:avLst/>
+          </a:prstGeom>
+          <a:ln w="12700">
+            <a:solidFill>
+              <a:schemeClr val="tx1"/>
+            </a:solidFill>
+            <a:prstDash val="dash"/>
+            <a:tailEnd type="triangle"/>
+          </a:ln>
+        </p:spPr>
+        <p:style>
+          <a:lnRef idx="1">
+            <a:schemeClr val="accent1"/>
+          </a:lnRef>
+          <a:fillRef idx="0">
+            <a:schemeClr val="accent1"/>
+          </a:fillRef>
+          <a:effectRef idx="0">
+            <a:schemeClr val="accent1"/>
+          </a:effectRef>
+          <a:fontRef idx="minor">
+            <a:schemeClr val="tx1"/>
+          </a:fontRef>
+        </p:style>
+      </p:cxnSp>
+      <p:sp>
+        <p:nvSpPr>
+          <p:cNvPr id="34" name="Textfeld 33"/>
+          <p:cNvSpPr txBox="1"/>
+          <p:nvPr/>
+        </p:nvSpPr>
+        <p:spPr>
+          <a:xfrm>
+            <a:off x="5647231" y="177800"/>
+            <a:ext cx="1363169" cy="369332"/>
+          </a:xfrm>
+          <a:prstGeom prst="rect">
+            <a:avLst/>
+          </a:prstGeom>
+          <a:noFill/>
+        </p:spPr>
+        <p:txBody>
+          <a:bodyPr wrap="square" rtlCol="0">
+            <a:spAutoFit/>
+          </a:bodyPr>
+          <a:lstStyle/>
+          <a:p>
+            <a:r>
+              <a:rPr lang="de-DE" dirty="0" err="1" smtClean="0">
+                <a:solidFill>
+                  <a:srgbClr val="002060"/>
+                </a:solidFill>
+              </a:rPr>
+              <a:t>e</a:t>
+            </a:r>
+            <a:r>
+              <a:rPr lang="de-DE" baseline="30000" dirty="0" err="1" smtClean="0">
+                <a:solidFill>
+                  <a:srgbClr val="002060"/>
+                </a:solidFill>
+              </a:rPr>
+              <a:t>I</a:t>
+            </a:r>
+            <a:r>
+              <a:rPr lang="de-DE" baseline="-25000" dirty="0" err="1" smtClean="0">
+                <a:solidFill>
+                  <a:srgbClr val="002060"/>
+                </a:solidFill>
+              </a:rPr>
+              <a:t>z</a:t>
+            </a:r>
+            <a:r>
+              <a:rPr lang="de-DE" baseline="-25000" dirty="0" smtClean="0">
+                <a:solidFill>
+                  <a:srgbClr val="002060"/>
+                </a:solidFill>
+              </a:rPr>
+              <a:t> </a:t>
+            </a:r>
+            <a:r>
+              <a:rPr lang="de-DE" dirty="0" smtClean="0">
+                <a:solidFill>
+                  <a:srgbClr val="002060"/>
+                </a:solidFill>
+              </a:rPr>
+              <a:t>, </a:t>
+            </a:r>
+            <a:r>
+              <a:rPr lang="de-DE" dirty="0" err="1" smtClean="0">
+                <a:solidFill>
+                  <a:srgbClr val="002060"/>
+                </a:solidFill>
+              </a:rPr>
+              <a:t>e</a:t>
+            </a:r>
+            <a:r>
+              <a:rPr lang="de-DE" baseline="30000" dirty="0" err="1">
+                <a:solidFill>
+                  <a:srgbClr val="002060"/>
+                </a:solidFill>
+              </a:rPr>
+              <a:t>W</a:t>
+            </a:r>
+            <a:r>
+              <a:rPr lang="de-DE" baseline="-25000" dirty="0" err="1" smtClean="0">
+                <a:solidFill>
+                  <a:srgbClr val="002060"/>
+                </a:solidFill>
+              </a:rPr>
+              <a:t>z</a:t>
+            </a:r>
+            <a:r>
+              <a:rPr lang="de-DE" dirty="0" smtClean="0">
+                <a:solidFill>
+                  <a:srgbClr val="002060"/>
+                </a:solidFill>
+              </a:rPr>
+              <a:t> </a:t>
+            </a:r>
+            <a:endParaRPr lang="de-DE" dirty="0">
+              <a:solidFill>
+                <a:srgbClr val="002060"/>
+              </a:solidFill>
+            </a:endParaRPr>
+          </a:p>
+        </p:txBody>
+      </p:sp>
+      <p:sp>
+        <p:nvSpPr>
+          <p:cNvPr id="35" name="Textfeld 34"/>
+          <p:cNvSpPr txBox="1"/>
+          <p:nvPr/>
+        </p:nvSpPr>
+        <p:spPr>
+          <a:xfrm>
+            <a:off x="3038836" y="5802069"/>
+            <a:ext cx="1363169" cy="369332"/>
+          </a:xfrm>
+          <a:prstGeom prst="rect">
+            <a:avLst/>
+          </a:prstGeom>
+          <a:noFill/>
+        </p:spPr>
+        <p:txBody>
+          <a:bodyPr wrap="square" rtlCol="0">
+            <a:spAutoFit/>
+          </a:bodyPr>
+          <a:lstStyle/>
+          <a:p>
+            <a:r>
+              <a:rPr lang="de-DE" dirty="0" err="1" smtClean="0">
+                <a:solidFill>
+                  <a:srgbClr val="002060"/>
+                </a:solidFill>
+              </a:rPr>
+              <a:t>e</a:t>
+            </a:r>
+            <a:r>
+              <a:rPr lang="de-DE" baseline="30000" dirty="0" err="1" smtClean="0">
+                <a:solidFill>
+                  <a:srgbClr val="002060"/>
+                </a:solidFill>
+              </a:rPr>
+              <a:t>I</a:t>
+            </a:r>
+            <a:r>
+              <a:rPr lang="de-DE" baseline="-25000" dirty="0" err="1" smtClean="0">
+                <a:solidFill>
+                  <a:srgbClr val="002060"/>
+                </a:solidFill>
+              </a:rPr>
+              <a:t>x</a:t>
+            </a:r>
+            <a:r>
+              <a:rPr lang="de-DE" baseline="-25000" dirty="0" smtClean="0">
+                <a:solidFill>
+                  <a:srgbClr val="002060"/>
+                </a:solidFill>
+              </a:rPr>
+              <a:t> </a:t>
+            </a:r>
+            <a:r>
+              <a:rPr lang="de-DE" dirty="0" smtClean="0">
+                <a:solidFill>
+                  <a:srgbClr val="002060"/>
+                </a:solidFill>
+              </a:rPr>
+              <a:t>, </a:t>
+            </a:r>
+            <a:r>
+              <a:rPr lang="de-DE" dirty="0" err="1" smtClean="0">
+                <a:solidFill>
+                  <a:srgbClr val="002060"/>
+                </a:solidFill>
+              </a:rPr>
+              <a:t>e</a:t>
+            </a:r>
+            <a:r>
+              <a:rPr lang="de-DE" baseline="30000" dirty="0" err="1" smtClean="0">
+                <a:solidFill>
+                  <a:srgbClr val="002060"/>
+                </a:solidFill>
+              </a:rPr>
+              <a:t>W</a:t>
+            </a:r>
+            <a:r>
+              <a:rPr lang="de-DE" baseline="-25000" dirty="0" err="1">
+                <a:solidFill>
+                  <a:srgbClr val="002060"/>
+                </a:solidFill>
+              </a:rPr>
+              <a:t>x</a:t>
+            </a:r>
+            <a:r>
+              <a:rPr lang="de-DE" dirty="0" smtClean="0">
+                <a:solidFill>
+                  <a:srgbClr val="002060"/>
+                </a:solidFill>
+              </a:rPr>
+              <a:t> </a:t>
+            </a:r>
+            <a:endParaRPr lang="de-DE" dirty="0">
+              <a:solidFill>
+                <a:srgbClr val="002060"/>
+              </a:solidFill>
+            </a:endParaRPr>
+          </a:p>
+        </p:txBody>
+      </p:sp>
+      <p:sp>
+        <p:nvSpPr>
+          <p:cNvPr id="36" name="Textfeld 35"/>
+          <p:cNvSpPr txBox="1"/>
+          <p:nvPr/>
+        </p:nvSpPr>
+        <p:spPr>
+          <a:xfrm>
+            <a:off x="8705895" y="4070468"/>
+            <a:ext cx="1363169" cy="369332"/>
+          </a:xfrm>
+          <a:prstGeom prst="rect">
+            <a:avLst/>
+          </a:prstGeom>
+          <a:noFill/>
+        </p:spPr>
+        <p:txBody>
+          <a:bodyPr wrap="square" rtlCol="0">
+            <a:spAutoFit/>
+          </a:bodyPr>
+          <a:lstStyle/>
+          <a:p>
+            <a:r>
+              <a:rPr lang="de-DE" dirty="0" err="1" smtClean="0">
+                <a:solidFill>
+                  <a:srgbClr val="002060"/>
+                </a:solidFill>
+              </a:rPr>
+              <a:t>e</a:t>
+            </a:r>
+            <a:r>
+              <a:rPr lang="de-DE" baseline="30000" dirty="0" err="1" smtClean="0">
+                <a:solidFill>
+                  <a:srgbClr val="002060"/>
+                </a:solidFill>
+              </a:rPr>
+              <a:t>I</a:t>
+            </a:r>
+            <a:r>
+              <a:rPr lang="de-DE" baseline="-25000" dirty="0" err="1" smtClean="0">
+                <a:solidFill>
+                  <a:srgbClr val="002060"/>
+                </a:solidFill>
+              </a:rPr>
+              <a:t>y</a:t>
+            </a:r>
+            <a:r>
+              <a:rPr lang="de-DE" baseline="-25000" dirty="0" smtClean="0">
+                <a:solidFill>
+                  <a:srgbClr val="002060"/>
+                </a:solidFill>
+              </a:rPr>
+              <a:t> </a:t>
+            </a:r>
+            <a:r>
+              <a:rPr lang="de-DE" dirty="0" smtClean="0">
+                <a:solidFill>
+                  <a:srgbClr val="002060"/>
+                </a:solidFill>
+              </a:rPr>
+              <a:t>, </a:t>
+            </a:r>
+            <a:r>
+              <a:rPr lang="de-DE" dirty="0" err="1" smtClean="0">
+                <a:solidFill>
+                  <a:srgbClr val="002060"/>
+                </a:solidFill>
+              </a:rPr>
+              <a:t>e</a:t>
+            </a:r>
+            <a:r>
+              <a:rPr lang="de-DE" baseline="30000" dirty="0" err="1" smtClean="0">
+                <a:solidFill>
+                  <a:srgbClr val="002060"/>
+                </a:solidFill>
+              </a:rPr>
+              <a:t>W</a:t>
+            </a:r>
+            <a:r>
+              <a:rPr lang="de-DE" baseline="-25000" dirty="0" err="1" smtClean="0">
+                <a:solidFill>
+                  <a:srgbClr val="002060"/>
+                </a:solidFill>
+              </a:rPr>
+              <a:t>y</a:t>
+            </a:r>
+            <a:r>
+              <a:rPr lang="de-DE" dirty="0" smtClean="0">
+                <a:solidFill>
+                  <a:srgbClr val="002060"/>
+                </a:solidFill>
+              </a:rPr>
+              <a:t> </a:t>
+            </a:r>
+            <a:endParaRPr lang="de-DE" dirty="0">
+              <a:solidFill>
+                <a:srgbClr val="002060"/>
+              </a:solidFill>
+            </a:endParaRPr>
+          </a:p>
+        </p:txBody>
+      </p:sp>
+      <p:cxnSp>
+        <p:nvCxnSpPr>
+          <p:cNvPr id="37" name="Gerade Verbindung mit Pfeil 36"/>
+          <p:cNvCxnSpPr/>
+          <p:nvPr/>
+        </p:nvCxnSpPr>
+        <p:spPr>
+          <a:xfrm rot="9600000" flipV="1">
+            <a:off x="6127434" y="3529546"/>
+            <a:ext cx="0" cy="3600000"/>
+          </a:xfrm>
+          <a:prstGeom prst="straightConnector1">
+            <a:avLst/>
+          </a:prstGeom>
+          <a:ln w="12700">
+            <a:solidFill>
+              <a:schemeClr val="tx1"/>
+            </a:solidFill>
+            <a:prstDash val="dash"/>
+            <a:tailEnd type="triangle"/>
+          </a:ln>
+        </p:spPr>
+        <p:style>
+          <a:lnRef idx="1">
+            <a:schemeClr val="accent1"/>
+          </a:lnRef>
+          <a:fillRef idx="0">
+            <a:schemeClr val="accent1"/>
+          </a:fillRef>
+          <a:effectRef idx="0">
+            <a:schemeClr val="accent1"/>
+          </a:effectRef>
+          <a:fontRef idx="minor">
+            <a:schemeClr val="tx1"/>
+          </a:fontRef>
+        </p:style>
+      </p:cxnSp>
+      <p:cxnSp>
+        <p:nvCxnSpPr>
+          <p:cNvPr id="38" name="Gerade Verbindung mit Pfeil 37"/>
+          <p:cNvCxnSpPr/>
+          <p:nvPr/>
+        </p:nvCxnSpPr>
+        <p:spPr>
+          <a:xfrm rot="4500000" flipV="1">
+            <a:off x="7250465" y="1372224"/>
+            <a:ext cx="0" cy="3600000"/>
+          </a:xfrm>
+          <a:prstGeom prst="straightConnector1">
+            <a:avLst/>
+          </a:prstGeom>
+          <a:ln w="12700">
+            <a:solidFill>
+              <a:schemeClr val="tx1"/>
+            </a:solidFill>
+            <a:prstDash val="dash"/>
+            <a:tailEnd type="triangle"/>
+          </a:ln>
+        </p:spPr>
+        <p:style>
+          <a:lnRef idx="1">
+            <a:schemeClr val="accent1"/>
+          </a:lnRef>
+          <a:fillRef idx="0">
+            <a:schemeClr val="accent1"/>
+          </a:fillRef>
+          <a:effectRef idx="0">
+            <a:schemeClr val="accent1"/>
+          </a:effectRef>
+          <a:fontRef idx="minor">
+            <a:schemeClr val="tx1"/>
+          </a:fontRef>
+        </p:style>
+      </p:cxnSp>
+      <p:cxnSp>
+        <p:nvCxnSpPr>
+          <p:cNvPr id="39" name="Gerade Verbindung mit Pfeil 38"/>
+          <p:cNvCxnSpPr/>
+          <p:nvPr/>
+        </p:nvCxnSpPr>
+        <p:spPr>
+          <a:xfrm rot="19200000" flipV="1">
+            <a:off x="4354778" y="453939"/>
+            <a:ext cx="0" cy="3600000"/>
+          </a:xfrm>
+          <a:prstGeom prst="straightConnector1">
+            <a:avLst/>
+          </a:prstGeom>
+          <a:ln w="12700">
+            <a:solidFill>
+              <a:schemeClr val="tx1"/>
+            </a:solidFill>
+            <a:prstDash val="dash"/>
+            <a:tailEnd type="triangle"/>
+          </a:ln>
+        </p:spPr>
+        <p:style>
+          <a:lnRef idx="1">
+            <a:schemeClr val="accent1"/>
+          </a:lnRef>
+          <a:fillRef idx="0">
+            <a:schemeClr val="accent1"/>
+          </a:fillRef>
+          <a:effectRef idx="0">
+            <a:schemeClr val="accent1"/>
+          </a:effectRef>
+          <a:fontRef idx="minor">
+            <a:schemeClr val="tx1"/>
+          </a:fontRef>
+        </p:style>
+      </p:cxnSp>
+      <p:cxnSp>
+        <p:nvCxnSpPr>
+          <p:cNvPr id="40" name="Gerade Verbindung mit Pfeil 39"/>
+          <p:cNvCxnSpPr/>
+          <p:nvPr/>
+        </p:nvCxnSpPr>
+        <p:spPr>
+          <a:xfrm rot="4500000" flipV="1">
+            <a:off x="6728863" y="2053862"/>
+            <a:ext cx="0" cy="2520000"/>
+          </a:xfrm>
+          <a:prstGeom prst="straightConnector1">
+            <a:avLst/>
+          </a:prstGeom>
+          <a:ln w="12700">
+            <a:solidFill>
+              <a:schemeClr val="tx1"/>
+            </a:solidFill>
+            <a:prstDash val="solid"/>
+            <a:tailEnd type="none"/>
+          </a:ln>
+        </p:spPr>
+        <p:style>
+          <a:lnRef idx="1">
+            <a:schemeClr val="accent1"/>
+          </a:lnRef>
+          <a:fillRef idx="0">
+            <a:schemeClr val="accent1"/>
+          </a:fillRef>
+          <a:effectRef idx="0">
+            <a:schemeClr val="accent1"/>
+          </a:effectRef>
+          <a:fontRef idx="minor">
+            <a:schemeClr val="tx1"/>
+          </a:fontRef>
+        </p:style>
+      </p:cxnSp>
+      <p:cxnSp>
+        <p:nvCxnSpPr>
+          <p:cNvPr id="41" name="Gerade Verbindung mit Pfeil 40"/>
+          <p:cNvCxnSpPr/>
+          <p:nvPr/>
+        </p:nvCxnSpPr>
+        <p:spPr>
+          <a:xfrm rot="9600000" flipV="1">
+            <a:off x="5948895" y="3563986"/>
+            <a:ext cx="0" cy="2520000"/>
+          </a:xfrm>
+          <a:prstGeom prst="straightConnector1">
+            <a:avLst/>
+          </a:prstGeom>
+          <a:ln w="12700">
+            <a:solidFill>
+              <a:schemeClr val="tx1"/>
+            </a:solidFill>
+            <a:prstDash val="solid"/>
+            <a:tailEnd type="none"/>
+          </a:ln>
+        </p:spPr>
+        <p:style>
+          <a:lnRef idx="1">
+            <a:schemeClr val="accent1"/>
+          </a:lnRef>
+          <a:fillRef idx="0">
+            <a:schemeClr val="accent1"/>
+          </a:fillRef>
+          <a:effectRef idx="0">
+            <a:schemeClr val="accent1"/>
+          </a:effectRef>
+          <a:fontRef idx="minor">
+            <a:schemeClr val="tx1"/>
+          </a:fontRef>
+        </p:style>
+      </p:cxnSp>
+      <p:cxnSp>
+        <p:nvCxnSpPr>
+          <p:cNvPr id="42" name="Gerade Verbindung mit Pfeil 41"/>
+          <p:cNvCxnSpPr/>
+          <p:nvPr/>
+        </p:nvCxnSpPr>
+        <p:spPr>
+          <a:xfrm rot="19200000" flipV="1">
+            <a:off x="4709541" y="1407604"/>
+            <a:ext cx="0" cy="2520000"/>
+          </a:xfrm>
+          <a:prstGeom prst="straightConnector1">
+            <a:avLst/>
+          </a:prstGeom>
+          <a:ln w="12700">
+            <a:solidFill>
+              <a:schemeClr val="tx1"/>
+            </a:solidFill>
+            <a:prstDash val="solid"/>
+            <a:tailEnd type="none"/>
+          </a:ln>
+        </p:spPr>
+        <p:style>
+          <a:lnRef idx="1">
+            <a:schemeClr val="accent1"/>
+          </a:lnRef>
+          <a:fillRef idx="0">
+            <a:schemeClr val="accent1"/>
+          </a:fillRef>
+          <a:effectRef idx="0">
+            <a:schemeClr val="accent1"/>
+          </a:effectRef>
+          <a:fontRef idx="minor">
+            <a:schemeClr val="tx1"/>
+          </a:fontRef>
+        </p:style>
+      </p:cxnSp>
+      <p:cxnSp>
+        <p:nvCxnSpPr>
+          <p:cNvPr id="43" name="Gerade Verbindung mit Pfeil 42"/>
+          <p:cNvCxnSpPr/>
+          <p:nvPr/>
+        </p:nvCxnSpPr>
+        <p:spPr>
+          <a:xfrm rot="4500000" flipV="1">
+            <a:off x="5111748" y="107243"/>
+            <a:ext cx="0" cy="2520000"/>
+          </a:xfrm>
+          <a:prstGeom prst="straightConnector1">
+            <a:avLst/>
+          </a:prstGeom>
+          <a:ln w="12700">
+            <a:solidFill>
+              <a:schemeClr val="tx1"/>
+            </a:solidFill>
+            <a:prstDash val="solid"/>
+            <a:tailEnd type="none"/>
+          </a:ln>
+        </p:spPr>
+        <p:style>
+          <a:lnRef idx="1">
+            <a:schemeClr val="accent1"/>
+          </a:lnRef>
+          <a:fillRef idx="0">
+            <a:schemeClr val="accent1"/>
+          </a:fillRef>
+          <a:effectRef idx="0">
+            <a:schemeClr val="accent1"/>
+          </a:effectRef>
+          <a:fontRef idx="minor">
+            <a:schemeClr val="tx1"/>
+          </a:fontRef>
+        </p:style>
+      </p:cxnSp>
+      <p:cxnSp>
+        <p:nvCxnSpPr>
+          <p:cNvPr id="44" name="Gerade Verbindung mit Pfeil 43"/>
+          <p:cNvCxnSpPr/>
+          <p:nvPr/>
+        </p:nvCxnSpPr>
+        <p:spPr>
+          <a:xfrm rot="19200000" flipV="1">
+            <a:off x="7136017" y="746347"/>
+            <a:ext cx="0" cy="2520000"/>
+          </a:xfrm>
+          <a:prstGeom prst="straightConnector1">
+            <a:avLst/>
+          </a:prstGeom>
+          <a:ln w="12700">
+            <a:solidFill>
+              <a:schemeClr val="tx1"/>
+            </a:solidFill>
+            <a:prstDash val="solid"/>
+            <a:tailEnd type="none"/>
+          </a:ln>
+        </p:spPr>
+        <p:style>
+          <a:lnRef idx="1">
+            <a:schemeClr val="accent1"/>
+          </a:lnRef>
+          <a:fillRef idx="0">
+            <a:schemeClr val="accent1"/>
+          </a:fillRef>
+          <a:effectRef idx="0">
+            <a:schemeClr val="accent1"/>
+          </a:effectRef>
+          <a:fontRef idx="minor">
+            <a:schemeClr val="tx1"/>
+          </a:fontRef>
+        </p:style>
+      </p:cxnSp>
+      <p:cxnSp>
+        <p:nvCxnSpPr>
+          <p:cNvPr id="45" name="Gerade Verbindung mit Pfeil 44"/>
+          <p:cNvCxnSpPr/>
+          <p:nvPr/>
+        </p:nvCxnSpPr>
+        <p:spPr>
+          <a:xfrm rot="9600000" flipV="1">
+            <a:off x="4323991" y="1617368"/>
+            <a:ext cx="0" cy="2520000"/>
+          </a:xfrm>
+          <a:prstGeom prst="straightConnector1">
+            <a:avLst/>
+          </a:prstGeom>
+          <a:ln w="12700">
+            <a:solidFill>
+              <a:schemeClr val="tx1"/>
+            </a:solidFill>
+            <a:prstDash val="solid"/>
+            <a:tailEnd type="none"/>
+          </a:ln>
+        </p:spPr>
+        <p:style>
+          <a:lnRef idx="1">
+            <a:schemeClr val="accent1"/>
+          </a:lnRef>
+          <a:fillRef idx="0">
+            <a:schemeClr val="accent1"/>
+          </a:fillRef>
+          <a:effectRef idx="0">
+            <a:schemeClr val="accent1"/>
+          </a:effectRef>
+          <a:fontRef idx="minor">
+            <a:schemeClr val="tx1"/>
+          </a:fontRef>
+        </p:style>
+      </p:cxnSp>
+      <p:cxnSp>
+        <p:nvCxnSpPr>
+          <p:cNvPr id="46" name="Gerade Verbindung mit Pfeil 45"/>
+          <p:cNvCxnSpPr/>
+          <p:nvPr/>
+        </p:nvCxnSpPr>
+        <p:spPr>
+          <a:xfrm rot="19200000" flipV="1">
+            <a:off x="5564850" y="3773751"/>
+            <a:ext cx="0" cy="2520000"/>
+          </a:xfrm>
+          <a:prstGeom prst="straightConnector1">
+            <a:avLst/>
+          </a:prstGeom>
+          <a:ln w="12700">
+            <a:solidFill>
+              <a:schemeClr val="tx1"/>
+            </a:solidFill>
+            <a:prstDash val="solid"/>
+            <a:tailEnd type="none"/>
+          </a:ln>
+        </p:spPr>
+        <p:style>
+          <a:lnRef idx="1">
+            <a:schemeClr val="accent1"/>
+          </a:lnRef>
+          <a:fillRef idx="0">
+            <a:schemeClr val="accent1"/>
+          </a:fillRef>
+          <a:effectRef idx="0">
+            <a:schemeClr val="accent1"/>
+          </a:effectRef>
+          <a:fontRef idx="minor">
+            <a:schemeClr val="tx1"/>
+          </a:fontRef>
+        </p:style>
+      </p:cxnSp>
+      <p:cxnSp>
+        <p:nvCxnSpPr>
+          <p:cNvPr id="47" name="Gerade Verbindung mit Pfeil 46"/>
+          <p:cNvCxnSpPr/>
+          <p:nvPr/>
+        </p:nvCxnSpPr>
+        <p:spPr>
+          <a:xfrm rot="4500000" flipV="1">
+            <a:off x="7603055" y="4421887"/>
+            <a:ext cx="0" cy="2520000"/>
+          </a:xfrm>
+          <a:prstGeom prst="straightConnector1">
+            <a:avLst/>
+          </a:prstGeom>
+          <a:ln w="12700">
+            <a:solidFill>
+              <a:schemeClr val="tx1"/>
+            </a:solidFill>
+            <a:prstDash val="solid"/>
+            <a:tailEnd type="none"/>
+          </a:ln>
+        </p:spPr>
+        <p:style>
+          <a:lnRef idx="1">
+            <a:schemeClr val="accent1"/>
+          </a:lnRef>
+          <a:fillRef idx="0">
+            <a:schemeClr val="accent1"/>
+          </a:fillRef>
+          <a:effectRef idx="0">
+            <a:schemeClr val="accent1"/>
+          </a:effectRef>
+          <a:fontRef idx="minor">
+            <a:schemeClr val="tx1"/>
+          </a:fontRef>
+        </p:style>
+      </p:cxnSp>
+      <p:cxnSp>
+        <p:nvCxnSpPr>
+          <p:cNvPr id="48" name="Gerade Verbindung mit Pfeil 47"/>
+          <p:cNvCxnSpPr/>
+          <p:nvPr/>
+        </p:nvCxnSpPr>
+        <p:spPr>
+          <a:xfrm rot="9600000" flipV="1">
+            <a:off x="8385317" y="2911763"/>
+            <a:ext cx="0" cy="2520000"/>
+          </a:xfrm>
+          <a:prstGeom prst="straightConnector1">
+            <a:avLst/>
+          </a:prstGeom>
+          <a:ln w="12700">
+            <a:solidFill>
+              <a:schemeClr val="tx1"/>
+            </a:solidFill>
+            <a:prstDash val="solid"/>
+            <a:tailEnd type="none"/>
+          </a:ln>
+        </p:spPr>
+        <p:style>
+          <a:lnRef idx="1">
+            <a:schemeClr val="accent1"/>
+          </a:lnRef>
+          <a:fillRef idx="0">
+            <a:schemeClr val="accent1"/>
+          </a:fillRef>
+          <a:effectRef idx="0">
+            <a:schemeClr val="accent1"/>
+          </a:effectRef>
+          <a:fontRef idx="minor">
+            <a:schemeClr val="tx1"/>
+          </a:fontRef>
+        </p:style>
+      </p:cxnSp>
+    </p:spTree>
+    <p:extLst>
+      <p:ext uri="{BB962C8B-B14F-4D97-AF65-F5344CB8AC3E}">
+        <p14:creationId xmlns:p14="http://schemas.microsoft.com/office/powerpoint/2010/main" val="2652565080"/>
       </p:ext>
     </p:extLst>
   </p:cSld>
